--- a/Slides.pptx
+++ b/Slides.pptx
@@ -337,7 +337,7 @@
             <a:fld id="{B61BEF0D-F0BB-DE4B-95CE-6DB70DBA9567}" type="datetimeFigureOut">
               <a:rPr lang="en-US" dirty="0"/>
               <a:pPr/>
-              <a:t>4/11/2017</a:t>
+              <a:t>4/12/2017</a:t>
             </a:fld>
             <a:endParaRPr lang="en-US" dirty="0"/>
           </a:p>
@@ -770,7 +770,7 @@
             <a:fld id="{B61BEF0D-F0BB-DE4B-95CE-6DB70DBA9567}" type="datetimeFigureOut">
               <a:rPr lang="en-US" dirty="0"/>
               <a:pPr/>
-              <a:t>4/11/2017</a:t>
+              <a:t>4/12/2017</a:t>
             </a:fld>
             <a:endParaRPr lang="en-US" dirty="0"/>
           </a:p>
@@ -1017,7 +1017,7 @@
             <a:fld id="{B61BEF0D-F0BB-DE4B-95CE-6DB70DBA9567}" type="datetimeFigureOut">
               <a:rPr lang="en-US" dirty="0"/>
               <a:pPr/>
-              <a:t>4/11/2017</a:t>
+              <a:t>4/12/2017</a:t>
             </a:fld>
             <a:endParaRPr lang="en-US" dirty="0"/>
           </a:p>
@@ -1322,7 +1322,7 @@
             <a:fld id="{B61BEF0D-F0BB-DE4B-95CE-6DB70DBA9567}" type="datetimeFigureOut">
               <a:rPr lang="en-US" dirty="0"/>
               <a:pPr/>
-              <a:t>4/11/2017</a:t>
+              <a:t>4/12/2017</a:t>
             </a:fld>
             <a:endParaRPr lang="en-US" dirty="0"/>
           </a:p>
@@ -1637,7 +1637,7 @@
             <a:fld id="{B61BEF0D-F0BB-DE4B-95CE-6DB70DBA9567}" type="datetimeFigureOut">
               <a:rPr lang="en-US" dirty="0"/>
               <a:pPr/>
-              <a:t>4/11/2017</a:t>
+              <a:t>4/12/2017</a:t>
             </a:fld>
             <a:endParaRPr lang="en-US" dirty="0"/>
           </a:p>
@@ -1936,7 +1936,7 @@
             <a:fld id="{B61BEF0D-F0BB-DE4B-95CE-6DB70DBA9567}" type="datetimeFigureOut">
               <a:rPr lang="en-US" dirty="0"/>
               <a:pPr/>
-              <a:t>4/11/2017</a:t>
+              <a:t>4/12/2017</a:t>
             </a:fld>
             <a:endParaRPr lang="en-US" dirty="0"/>
           </a:p>
@@ -2300,7 +2300,7 @@
             <a:fld id="{B61BEF0D-F0BB-DE4B-95CE-6DB70DBA9567}" type="datetimeFigureOut">
               <a:rPr lang="en-US" dirty="0"/>
               <a:pPr/>
-              <a:t>4/11/2017</a:t>
+              <a:t>4/12/2017</a:t>
             </a:fld>
             <a:endParaRPr lang="en-US" dirty="0"/>
           </a:p>
@@ -2471,7 +2471,7 @@
             <a:fld id="{B61BEF0D-F0BB-DE4B-95CE-6DB70DBA9567}" type="datetimeFigureOut">
               <a:rPr lang="en-US" dirty="0"/>
               <a:pPr/>
-              <a:t>4/11/2017</a:t>
+              <a:t>4/12/2017</a:t>
             </a:fld>
             <a:endParaRPr lang="en-US" dirty="0"/>
           </a:p>
@@ -2648,7 +2648,7 @@
             <a:fld id="{B61BEF0D-F0BB-DE4B-95CE-6DB70DBA9567}" type="datetimeFigureOut">
               <a:rPr lang="en-US" dirty="0"/>
               <a:pPr/>
-              <a:t>4/11/2017</a:t>
+              <a:t>4/12/2017</a:t>
             </a:fld>
             <a:endParaRPr lang="en-US" dirty="0"/>
           </a:p>
@@ -2815,7 +2815,7 @@
             <a:fld id="{B61BEF0D-F0BB-DE4B-95CE-6DB70DBA9567}" type="datetimeFigureOut">
               <a:rPr lang="en-US" dirty="0"/>
               <a:pPr/>
-              <a:t>4/11/2017</a:t>
+              <a:t>4/12/2017</a:t>
             </a:fld>
             <a:endParaRPr lang="en-US" dirty="0"/>
           </a:p>
@@ -3062,7 +3062,7 @@
             <a:fld id="{B61BEF0D-F0BB-DE4B-95CE-6DB70DBA9567}" type="datetimeFigureOut">
               <a:rPr lang="en-US" dirty="0"/>
               <a:pPr/>
-              <a:t>4/11/2017</a:t>
+              <a:t>4/12/2017</a:t>
             </a:fld>
             <a:endParaRPr lang="en-US" dirty="0"/>
           </a:p>
@@ -3295,7 +3295,7 @@
             <a:fld id="{B61BEF0D-F0BB-DE4B-95CE-6DB70DBA9567}" type="datetimeFigureOut">
               <a:rPr lang="en-US" dirty="0"/>
               <a:pPr/>
-              <a:t>4/11/2017</a:t>
+              <a:t>4/12/2017</a:t>
             </a:fld>
             <a:endParaRPr lang="en-US" dirty="0"/>
           </a:p>
@@ -3674,7 +3674,7 @@
             <a:fld id="{B61BEF0D-F0BB-DE4B-95CE-6DB70DBA9567}" type="datetimeFigureOut">
               <a:rPr lang="en-US" dirty="0"/>
               <a:pPr/>
-              <a:t>4/11/2017</a:t>
+              <a:t>4/12/2017</a:t>
             </a:fld>
             <a:endParaRPr lang="en-US" dirty="0"/>
           </a:p>
@@ -3789,7 +3789,7 @@
             <a:fld id="{B61BEF0D-F0BB-DE4B-95CE-6DB70DBA9567}" type="datetimeFigureOut">
               <a:rPr lang="en-US" dirty="0"/>
               <a:pPr/>
-              <a:t>4/11/2017</a:t>
+              <a:t>4/12/2017</a:t>
             </a:fld>
             <a:endParaRPr lang="en-US" dirty="0"/>
           </a:p>
@@ -3881,7 +3881,7 @@
             <a:fld id="{B61BEF0D-F0BB-DE4B-95CE-6DB70DBA9567}" type="datetimeFigureOut">
               <a:rPr lang="en-US" dirty="0"/>
               <a:pPr/>
-              <a:t>4/11/2017</a:t>
+              <a:t>4/12/2017</a:t>
             </a:fld>
             <a:endParaRPr lang="en-US" dirty="0"/>
           </a:p>
@@ -4133,7 +4133,7 @@
             <a:fld id="{B61BEF0D-F0BB-DE4B-95CE-6DB70DBA9567}" type="datetimeFigureOut">
               <a:rPr lang="en-US" dirty="0"/>
               <a:pPr/>
-              <a:t>4/11/2017</a:t>
+              <a:t>4/12/2017</a:t>
             </a:fld>
             <a:endParaRPr lang="en-US" dirty="0"/>
           </a:p>
@@ -4413,7 +4413,7 @@
             <a:fld id="{B61BEF0D-F0BB-DE4B-95CE-6DB70DBA9567}" type="datetimeFigureOut">
               <a:rPr lang="en-US" dirty="0"/>
               <a:pPr/>
-              <a:t>4/11/2017</a:t>
+              <a:t>4/12/2017</a:t>
             </a:fld>
             <a:endParaRPr lang="en-US" dirty="0"/>
           </a:p>
@@ -4816,7 +4816,7 @@
             <a:fld id="{B61BEF0D-F0BB-DE4B-95CE-6DB70DBA9567}" type="datetimeFigureOut">
               <a:rPr lang="en-US" dirty="0"/>
               <a:pPr/>
-              <a:t>4/11/2017</a:t>
+              <a:t>4/12/2017</a:t>
             </a:fld>
             <a:endParaRPr lang="en-US" dirty="0"/>
           </a:p>
@@ -5924,7 +5924,7 @@
 </file>
 
 <file path=ppt/slides/slide11.xml><?xml version="1.0" encoding="utf-8"?>
-<p:sld xmlns:a="http://schemas.openxmlformats.org/drawingml/2006/main" xmlns:r="http://schemas.openxmlformats.org/officeDocument/2006/relationships" xmlns:p="http://schemas.openxmlformats.org/presentationml/2006/main" show="0">
+<p:sld xmlns:a="http://schemas.openxmlformats.org/drawingml/2006/main" xmlns:r="http://schemas.openxmlformats.org/officeDocument/2006/relationships" xmlns:p="http://schemas.openxmlformats.org/presentationml/2006/main">
   <p:cSld>
     <p:spTree>
       <p:nvGrpSpPr>
@@ -6199,8 +6199,8 @@
         </p:nvSpPr>
         <p:spPr>
           <a:xfrm>
-            <a:off x="1151447" y="2769080"/>
-            <a:ext cx="9618339" cy="2062103"/>
+            <a:off x="89648" y="1527468"/>
+            <a:ext cx="12102352" cy="4308872"/>
           </a:xfrm>
           <a:prstGeom prst="rect">
             <a:avLst/>
@@ -6208,13 +6208,13 @@
           <a:noFill/>
         </p:spPr>
         <p:txBody>
-          <a:bodyPr wrap="none" rtlCol="0">
+          <a:bodyPr wrap="square" rtlCol="0">
             <a:spAutoFit/>
           </a:bodyPr>
           <a:lstStyle/>
           <a:p>
             <a:r>
-              <a:rPr lang="nl-NL" b="1" dirty="0">
+              <a:rPr lang="nl-NL" sz="4800" b="1" dirty="0">
                 <a:solidFill>
                   <a:schemeClr val="bg1"/>
                 </a:solidFill>
@@ -6222,13 +6222,13 @@
               <a:t>Me:          </a:t>
             </a:r>
             <a:r>
-              <a:rPr lang="nl-NL" dirty="0"/>
+              <a:rPr lang="nl-NL" sz="4800" dirty="0"/>
               <a:t>Joel Reed </a:t>
             </a:r>
           </a:p>
           <a:p>
             <a:r>
-              <a:rPr lang="nl-NL" b="1" dirty="0">
+              <a:rPr lang="nl-NL" sz="4800" b="1" dirty="0">
                 <a:solidFill>
                   <a:schemeClr val="bg1"/>
                 </a:solidFill>
@@ -6236,13 +6236,13 @@
               <a:t>Twitter:    </a:t>
             </a:r>
             <a:r>
-              <a:rPr lang="nl-NL" dirty="0"/>
+              <a:rPr lang="nl-NL" sz="4800" dirty="0"/>
               <a:t>@AKAJoelReed</a:t>
             </a:r>
           </a:p>
           <a:p>
             <a:r>
-              <a:rPr lang="nl-NL" b="1" dirty="0">
+              <a:rPr lang="nl-NL" sz="4800" b="1" dirty="0">
                 <a:solidFill>
                   <a:schemeClr val="bg1"/>
                 </a:solidFill>
@@ -6250,8 +6250,22 @@
               <a:t>Email:      </a:t>
             </a:r>
             <a:r>
-              <a:rPr lang="nl-NL" dirty="0"/>
+              <a:rPr lang="nl-NL" sz="4800" dirty="0"/>
               <a:t>joelreed@outlook.com</a:t>
+            </a:r>
+          </a:p>
+          <a:p>
+            <a:r>
+              <a:rPr lang="nl-NL" sz="4800" b="1" dirty="0">
+                <a:solidFill>
+                  <a:schemeClr val="bg1"/>
+                </a:solidFill>
+              </a:rPr>
+              <a:t>GitHub:   </a:t>
+            </a:r>
+            <a:r>
+              <a:rPr lang="nl-NL" sz="4800" dirty="0"/>
+              <a:t>jlrd</a:t>
             </a:r>
           </a:p>
           <a:p>
@@ -6259,7 +6273,7 @@
               <a:rPr lang="nl-NL" dirty="0"/>
             </a:br>
             <a:r>
-              <a:rPr lang="nl-NL" sz="2800" b="1" dirty="0">
+              <a:rPr lang="nl-NL" sz="3200" b="1" dirty="0">
                 <a:solidFill>
                   <a:schemeClr val="bg1"/>
                 </a:solidFill>
@@ -6269,7 +6283,7 @@
           </a:p>
           <a:p>
             <a:r>
-              <a:rPr lang="nl-NL" sz="2800" dirty="0"/>
+              <a:rPr lang="nl-NL" sz="3200" dirty="0"/>
               <a:t>https://github.com/jlrd/ScheduledTaskReleasePipeline</a:t>
             </a:r>
           </a:p>
@@ -6289,7 +6303,7 @@
 </file>
 
 <file path=ppt/slides/slide2.xml><?xml version="1.0" encoding="utf-8"?>
-<p:sld xmlns:a="http://schemas.openxmlformats.org/drawingml/2006/main" xmlns:r="http://schemas.openxmlformats.org/officeDocument/2006/relationships" xmlns:p="http://schemas.openxmlformats.org/presentationml/2006/main" show="0">
+<p:sld xmlns:a="http://schemas.openxmlformats.org/drawingml/2006/main" xmlns:r="http://schemas.openxmlformats.org/officeDocument/2006/relationships" xmlns:p="http://schemas.openxmlformats.org/presentationml/2006/main">
   <p:cSld>
     <p:spTree>
       <p:nvGrpSpPr>
@@ -6623,7 +6637,7 @@
 </file>
 
 <file path=ppt/slides/slide4.xml><?xml version="1.0" encoding="utf-8"?>
-<p:sld xmlns:a="http://schemas.openxmlformats.org/drawingml/2006/main" xmlns:r="http://schemas.openxmlformats.org/officeDocument/2006/relationships" xmlns:p="http://schemas.openxmlformats.org/presentationml/2006/main" show="0">
+<p:sld xmlns:a="http://schemas.openxmlformats.org/drawingml/2006/main" xmlns:r="http://schemas.openxmlformats.org/officeDocument/2006/relationships" xmlns:p="http://schemas.openxmlformats.org/presentationml/2006/main">
   <p:cSld>
     <p:spTree>
       <p:nvGrpSpPr>
@@ -6761,7 +6775,7 @@
 </file>
 
 <file path=ppt/slides/slide5.xml><?xml version="1.0" encoding="utf-8"?>
-<p:sld xmlns:a="http://schemas.openxmlformats.org/drawingml/2006/main" xmlns:r="http://schemas.openxmlformats.org/officeDocument/2006/relationships" xmlns:p="http://schemas.openxmlformats.org/presentationml/2006/main" show="0">
+<p:sld xmlns:a="http://schemas.openxmlformats.org/drawingml/2006/main" xmlns:r="http://schemas.openxmlformats.org/officeDocument/2006/relationships" xmlns:p="http://schemas.openxmlformats.org/presentationml/2006/main">
   <p:cSld>
     <p:spTree>
       <p:nvGrpSpPr>
@@ -6915,7 +6929,7 @@
 </file>
 
 <file path=ppt/slides/slide6.xml><?xml version="1.0" encoding="utf-8"?>
-<p:sld xmlns:a="http://schemas.openxmlformats.org/drawingml/2006/main" xmlns:r="http://schemas.openxmlformats.org/officeDocument/2006/relationships" xmlns:p="http://schemas.openxmlformats.org/presentationml/2006/main" show="0">
+<p:sld xmlns:a="http://schemas.openxmlformats.org/drawingml/2006/main" xmlns:r="http://schemas.openxmlformats.org/officeDocument/2006/relationships" xmlns:p="http://schemas.openxmlformats.org/presentationml/2006/main">
   <p:cSld>
     <p:spTree>
       <p:nvGrpSpPr>
@@ -7031,7 +7045,7 @@
 </file>
 
 <file path=ppt/slides/slide7.xml><?xml version="1.0" encoding="utf-8"?>
-<p:sld xmlns:a="http://schemas.openxmlformats.org/drawingml/2006/main" xmlns:r="http://schemas.openxmlformats.org/officeDocument/2006/relationships" xmlns:p="http://schemas.openxmlformats.org/presentationml/2006/main" show="0">
+<p:sld xmlns:a="http://schemas.openxmlformats.org/drawingml/2006/main" xmlns:r="http://schemas.openxmlformats.org/officeDocument/2006/relationships" xmlns:p="http://schemas.openxmlformats.org/presentationml/2006/main">
   <p:cSld>
     <p:spTree>
       <p:nvGrpSpPr>
@@ -7259,7 +7273,7 @@
 </file>
 
 <file path=ppt/slides/slide8.xml><?xml version="1.0" encoding="utf-8"?>
-<p:sld xmlns:a="http://schemas.openxmlformats.org/drawingml/2006/main" xmlns:r="http://schemas.openxmlformats.org/officeDocument/2006/relationships" xmlns:p="http://schemas.openxmlformats.org/presentationml/2006/main" show="0">
+<p:sld xmlns:a="http://schemas.openxmlformats.org/drawingml/2006/main" xmlns:r="http://schemas.openxmlformats.org/officeDocument/2006/relationships" xmlns:p="http://schemas.openxmlformats.org/presentationml/2006/main">
   <p:cSld>
     <p:spTree>
       <p:nvGrpSpPr>
